--- a/papers/RSS2016/pictures/pdf/SimCovarianceFuncFrictionOpenLoop.pptx
+++ b/papers/RSS2016/pictures/pdf/SimCovarianceFuncFrictionOpenLoop.pptx
@@ -3095,6 +3095,36 @@
           <a:chExt cx="0" cy="0"/>
         </a:xfrm>
       </p:grpSpPr>
+      <p:pic>
+        <p:nvPicPr>
+          <p:cNvPr id="19" name="Picture 18" descr="CovariancePlot.eps"/>
+          <p:cNvPicPr>
+            <a:picLocks noChangeAspect="1"/>
+          </p:cNvPicPr>
+          <p:nvPr/>
+        </p:nvPicPr>
+        <p:blipFill>
+          <a:blip r:embed="rId2">
+            <a:extLst>
+              <a:ext uri="{28A0092B-C50C-407E-A947-70E740481C1C}">
+                <a14:useLocalDpi xmlns:a14="http://schemas.microsoft.com/office/drawing/2010/main" val="0"/>
+              </a:ext>
+            </a:extLst>
+          </a:blip>
+          <a:stretch>
+            <a:fillRect/>
+          </a:stretch>
+        </p:blipFill>
+        <p:spPr>
+          <a:xfrm>
+            <a:off x="0" y="566602"/>
+            <a:ext cx="9144000" cy="3963959"/>
+          </a:xfrm>
+          <a:prstGeom prst="rect">
+            <a:avLst/>
+          </a:prstGeom>
+        </p:spPr>
+      </p:pic>
       <p:sp>
         <p:nvSpPr>
           <p:cNvPr id="16" name="Rectangle 15"/>
@@ -3133,35 +3163,6 @@
           </a:p>
         </p:txBody>
       </p:sp>
-      <p:pic>
-        <p:nvPicPr>
-          <p:cNvPr id="4" name="Picture 3" descr="CovariancePlot.eps"/>
-          <p:cNvPicPr>
-            <a:picLocks noChangeAspect="1"/>
-          </p:cNvPicPr>
-          <p:nvPr/>
-        </p:nvPicPr>
-        <p:blipFill rotWithShape="1">
-          <a:blip r:embed="rId2">
-            <a:extLst>
-              <a:ext uri="{28A0092B-C50C-407E-A947-70E740481C1C}">
-                <a14:useLocalDpi xmlns:a14="http://schemas.microsoft.com/office/drawing/2010/main" val="0"/>
-              </a:ext>
-            </a:extLst>
-          </a:blip>
-          <a:srcRect t="6425"/>
-          <a:stretch/>
-        </p:blipFill>
-        <p:spPr>
-          <a:xfrm>
-            <a:off x="0" y="840152"/>
-            <a:ext cx="9144000" cy="3709297"/>
-          </a:xfrm>
-          <a:prstGeom prst="rect">
-            <a:avLst/>
-          </a:prstGeom>
-        </p:spPr>
-      </p:pic>
       <p:cxnSp>
         <p:nvCxnSpPr>
           <p:cNvPr id="6" name="Straight Connector 5"/>
@@ -3203,7 +3204,7 @@
         </p:nvCxnSpPr>
         <p:spPr>
           <a:xfrm flipH="1">
-            <a:off x="3073400" y="904875"/>
+            <a:off x="3092938" y="904875"/>
             <a:ext cx="15875" cy="3190875"/>
           </a:xfrm>
           <a:prstGeom prst="line">
@@ -3236,7 +3237,7 @@
         </p:nvCxnSpPr>
         <p:spPr>
           <a:xfrm flipH="1">
-            <a:off x="4327525" y="904875"/>
+            <a:off x="4014917" y="904875"/>
             <a:ext cx="15875" cy="3190875"/>
           </a:xfrm>
           <a:prstGeom prst="line">
@@ -3268,9 +3269,9 @@
           <p:nvPr/>
         </p:nvCxnSpPr>
         <p:spPr>
-          <a:xfrm flipH="1">
-            <a:off x="5422900" y="904875"/>
-            <a:ext cx="15875" cy="3190875"/>
+          <a:xfrm>
+            <a:off x="5442438" y="904875"/>
+            <a:ext cx="1" cy="3190875"/>
           </a:xfrm>
           <a:prstGeom prst="line">
             <a:avLst/>
@@ -3302,8 +3303,8 @@
         </p:nvCxnSpPr>
         <p:spPr>
           <a:xfrm flipH="1">
-            <a:off x="7502525" y="904875"/>
-            <a:ext cx="15875" cy="3190875"/>
+            <a:off x="7502526" y="2305538"/>
+            <a:ext cx="15874" cy="1790212"/>
           </a:xfrm>
           <a:prstGeom prst="line">
             <a:avLst/>
@@ -3415,7 +3416,7 @@
         </p:nvSpPr>
         <p:spPr>
           <a:xfrm rot="16200000">
-            <a:off x="3531157" y="4679336"/>
+            <a:off x="3355315" y="4679336"/>
             <a:ext cx="412750" cy="340051"/>
           </a:xfrm>
           <a:prstGeom prst="rightArrow">
@@ -3455,7 +3456,7 @@
         </p:nvSpPr>
         <p:spPr>
           <a:xfrm rot="8554186">
-            <a:off x="4697248" y="4679336"/>
+            <a:off x="4580020" y="4679336"/>
             <a:ext cx="412750" cy="340051"/>
           </a:xfrm>
           <a:prstGeom prst="rightArrow">
@@ -3495,7 +3496,7 @@
         </p:nvSpPr>
         <p:spPr>
           <a:xfrm rot="16200000">
-            <a:off x="6348250" y="4679336"/>
+            <a:off x="6289636" y="4679336"/>
             <a:ext cx="412750" cy="340051"/>
           </a:xfrm>
           <a:prstGeom prst="rightArrow">

--- a/papers/RSS2016/pictures/pdf/SimCovarianceFuncFrictionOpenLoop.pptx
+++ b/papers/RSS2016/pictures/pdf/SimCovarianceFuncFrictionOpenLoop.pptx
@@ -3097,7 +3097,7 @@
       </p:grpSpPr>
       <p:pic>
         <p:nvPicPr>
-          <p:cNvPr id="19" name="Picture 18" descr="CovariancePlot.eps"/>
+          <p:cNvPr id="27" name="Picture 26" descr="CovariancePlot.eps"/>
           <p:cNvPicPr>
             <a:picLocks noChangeAspect="1"/>
           </p:cNvPicPr>
@@ -3117,7 +3117,7 @@
         </p:blipFill>
         <p:spPr>
           <a:xfrm>
-            <a:off x="0" y="566602"/>
+            <a:off x="19538" y="561627"/>
             <a:ext cx="9144000" cy="3963959"/>
           </a:xfrm>
           <a:prstGeom prst="rect">
@@ -3170,9 +3170,9 @@
           <p:nvPr/>
         </p:nvCxnSpPr>
         <p:spPr>
-          <a:xfrm flipH="1">
-            <a:off x="1825625" y="904875"/>
-            <a:ext cx="15875" cy="3190875"/>
+          <a:xfrm>
+            <a:off x="1845163" y="904875"/>
+            <a:ext cx="1" cy="3190875"/>
           </a:xfrm>
           <a:prstGeom prst="line">
             <a:avLst/>
@@ -3203,9 +3203,9 @@
           <p:nvPr/>
         </p:nvCxnSpPr>
         <p:spPr>
-          <a:xfrm flipH="1">
-            <a:off x="3092938" y="904875"/>
-            <a:ext cx="15875" cy="3190875"/>
+          <a:xfrm>
+            <a:off x="3112476" y="904875"/>
+            <a:ext cx="1" cy="3190875"/>
           </a:xfrm>
           <a:prstGeom prst="line">
             <a:avLst/>
@@ -3237,7 +3237,7 @@
         </p:nvCxnSpPr>
         <p:spPr>
           <a:xfrm flipH="1">
-            <a:off x="4014917" y="904875"/>
+            <a:off x="4034455" y="904875"/>
             <a:ext cx="15875" cy="3190875"/>
           </a:xfrm>
           <a:prstGeom prst="line">
@@ -3270,7 +3270,7 @@
         </p:nvCxnSpPr>
         <p:spPr>
           <a:xfrm>
-            <a:off x="5442438" y="904875"/>
+            <a:off x="5461976" y="904875"/>
             <a:ext cx="1" cy="3190875"/>
           </a:xfrm>
           <a:prstGeom prst="line">
@@ -3302,9 +3302,9 @@
           <p:nvPr/>
         </p:nvCxnSpPr>
         <p:spPr>
-          <a:xfrm flipH="1">
-            <a:off x="7502526" y="2305538"/>
-            <a:ext cx="15874" cy="1790212"/>
+          <a:xfrm>
+            <a:off x="7522064" y="2149231"/>
+            <a:ext cx="0" cy="1946519"/>
           </a:xfrm>
           <a:prstGeom prst="line">
             <a:avLst/>
@@ -3556,51 +3556,6 @@
               <a:t>Control</a:t>
             </a:r>
             <a:endParaRPr lang="en-US" sz="1600" b="1" dirty="0"/>
-          </a:p>
-        </p:txBody>
-      </p:sp>
-      <p:sp>
-        <p:nvSpPr>
-          <p:cNvPr id="18" name="Rectangle 17"/>
-          <p:cNvSpPr/>
-          <p:nvPr/>
-        </p:nvSpPr>
-        <p:spPr>
-          <a:xfrm>
-            <a:off x="2012462" y="468921"/>
-            <a:ext cx="5138615" cy="371231"/>
-          </a:xfrm>
-          <a:prstGeom prst="rect">
-            <a:avLst/>
-          </a:prstGeom>
-          <a:noFill/>
-          <a:ln>
-            <a:solidFill>
-              <a:schemeClr val="bg1"/>
-            </a:solidFill>
-          </a:ln>
-          <a:effectLst/>
-        </p:spPr>
-        <p:style>
-          <a:lnRef idx="1">
-            <a:schemeClr val="accent1"/>
-          </a:lnRef>
-          <a:fillRef idx="3">
-            <a:schemeClr val="accent1"/>
-          </a:fillRef>
-          <a:effectRef idx="2">
-            <a:schemeClr val="accent1"/>
-          </a:effectRef>
-          <a:fontRef idx="minor">
-            <a:schemeClr val="lt1"/>
-          </a:fontRef>
-        </p:style>
-        <p:txBody>
-          <a:bodyPr rtlCol="0" anchor="ctr"/>
-          <a:lstStyle/>
-          <a:p>
-            <a:pPr algn="ctr"/>
-            <a:endParaRPr lang="en-US"/>
           </a:p>
         </p:txBody>
       </p:sp>
